--- a/最終課題スライド.pptx
+++ b/最終課題スライド.pptx
@@ -17,8 +17,8 @@
     <p:sldId id="268" r:id="rId8"/>
     <p:sldId id="269" r:id="rId9"/>
     <p:sldId id="270" r:id="rId10"/>
-    <p:sldId id="272" r:id="rId11"/>
-    <p:sldId id="271" r:id="rId12"/>
+    <p:sldId id="274" r:id="rId11"/>
+    <p:sldId id="276" r:id="rId12"/>
     <p:sldId id="273" r:id="rId13"/>
   </p:sldIdLst>
   <p:sldSz cx="12192000" cy="6858000"/>
@@ -4668,10 +4668,10 @@
       </p:grpSpPr>
       <p:pic>
         <p:nvPicPr>
-          <p:cNvPr id="3" name="図 2" descr="グラフィカル ユーザー インターフェイス, テキスト, アプリケーション&#10;&#10;AI 生成コンテンツは誤りを含む可能性があります。">
-            <a:extLst>
-              <a:ext uri="{FF2B5EF4-FFF2-40B4-BE49-F238E27FC236}">
-                <a16:creationId xmlns:a16="http://schemas.microsoft.com/office/drawing/2014/main" id="{384EC1C1-4437-361E-A00B-95F3E313FE26}"/>
+          <p:cNvPr id="7" name="図 6" descr="ダイアグラム&#10;&#10;AI 生成コンテンツは誤りを含む可能性があります。">
+            <a:extLst>
+              <a:ext uri="{FF2B5EF4-FFF2-40B4-BE49-F238E27FC236}">
+                <a16:creationId xmlns:a16="http://schemas.microsoft.com/office/drawing/2014/main" id="{06D4B1F0-62FF-D731-5635-07F355E6B0B3}"/>
               </a:ext>
             </a:extLst>
           </p:cNvPr>
@@ -4681,31 +4681,60 @@
           <p:nvPr/>
         </p:nvPicPr>
         <p:blipFill>
-          <a:blip r:embed="rId2">
-            <a:extLst>
-              <a:ext uri="{28A0092B-C50C-407E-A947-70E740481C1C}">
-                <a14:useLocalDpi xmlns:a14="http://schemas.microsoft.com/office/drawing/2010/main" val="0"/>
-              </a:ext>
-            </a:extLst>
-          </a:blip>
+          <a:blip r:embed="rId2"/>
           <a:stretch>
             <a:fillRect/>
           </a:stretch>
         </p:blipFill>
         <p:spPr>
           <a:xfrm>
-            <a:off x="762" y="428"/>
-            <a:ext cx="12190476" cy="6857143"/>
+            <a:off x="841824" y="0"/>
+            <a:ext cx="10508351" cy="6858000"/>
           </a:xfrm>
           <a:prstGeom prst="rect">
             <a:avLst/>
           </a:prstGeom>
         </p:spPr>
       </p:pic>
+      <p:sp>
+        <p:nvSpPr>
+          <p:cNvPr id="3" name="テキスト ボックス 2">
+            <a:extLst>
+              <a:ext uri="{FF2B5EF4-FFF2-40B4-BE49-F238E27FC236}">
+                <a16:creationId xmlns:a16="http://schemas.microsoft.com/office/drawing/2014/main" id="{E6919664-38F3-B74B-DDB8-98049AB0456A}"/>
+              </a:ext>
+            </a:extLst>
+          </p:cNvPr>
+          <p:cNvSpPr txBox="1"/>
+          <p:nvPr/>
+        </p:nvSpPr>
+        <p:spPr>
+          <a:xfrm>
+            <a:off x="255814" y="119742"/>
+            <a:ext cx="3416320" cy="646331"/>
+          </a:xfrm>
+          <a:prstGeom prst="rect">
+            <a:avLst/>
+          </a:prstGeom>
+          <a:noFill/>
+        </p:spPr>
+        <p:txBody>
+          <a:bodyPr wrap="none" rtlCol="0">
+            <a:spAutoFit/>
+          </a:bodyPr>
+          <a:lstStyle/>
+          <a:p>
+            <a:r>
+              <a:rPr kumimoji="1" lang="ja-JP" altLang="en-US" sz="3600" b="1" dirty="0"/>
+              <a:t>システム構成図</a:t>
+            </a:r>
+          </a:p>
+        </p:txBody>
+      </p:sp>
     </p:spTree>
     <p:extLst>
       <p:ext uri="{BB962C8B-B14F-4D97-AF65-F5344CB8AC3E}">
-        <p14:creationId xmlns:p14="http://schemas.microsoft.com/office/powerpoint/2010/main" val="188268289"/>
+        <p14:creationId xmlns:p14="http://schemas.microsoft.com/office/powerpoint/2010/main" val="762038844"/>
       </p:ext>
     </p:extLst>
   </p:cSld>
@@ -4734,10 +4763,10 @@
       </p:grpSpPr>
       <p:pic>
         <p:nvPicPr>
-          <p:cNvPr id="3" name="図 2" descr="グラフィカル ユーザー インターフェイス, テキスト, アプリケーション, メール&#10;&#10;AI 生成コンテンツは誤りを含む可能性があります。">
-            <a:extLst>
-              <a:ext uri="{FF2B5EF4-FFF2-40B4-BE49-F238E27FC236}">
-                <a16:creationId xmlns:a16="http://schemas.microsoft.com/office/drawing/2014/main" id="{0188A735-E6D1-9459-E440-85319643C4B1}"/>
+          <p:cNvPr id="3" name="図 2" descr="ダイアグラム&#10;&#10;AI 生成コンテンツは誤りを含む可能性があります。">
+            <a:extLst>
+              <a:ext uri="{FF2B5EF4-FFF2-40B4-BE49-F238E27FC236}">
+                <a16:creationId xmlns:a16="http://schemas.microsoft.com/office/drawing/2014/main" id="{1CCC84A7-E913-2276-0B41-F753751C994E}"/>
               </a:ext>
             </a:extLst>
           </p:cNvPr>
@@ -4747,21 +4776,45 @@
           <p:nvPr/>
         </p:nvPicPr>
         <p:blipFill>
-          <a:blip r:embed="rId2">
-            <a:extLst>
-              <a:ext uri="{28A0092B-C50C-407E-A947-70E740481C1C}">
-                <a14:useLocalDpi xmlns:a14="http://schemas.microsoft.com/office/drawing/2010/main" val="0"/>
-              </a:ext>
-            </a:extLst>
-          </a:blip>
+          <a:blip r:embed="rId2"/>
           <a:stretch>
             <a:fillRect/>
           </a:stretch>
         </p:blipFill>
         <p:spPr>
           <a:xfrm>
-            <a:off x="762" y="428"/>
-            <a:ext cx="12190476" cy="6857143"/>
+            <a:off x="0" y="245215"/>
+            <a:ext cx="12192000" cy="6367569"/>
+          </a:xfrm>
+          <a:prstGeom prst="rect">
+            <a:avLst/>
+          </a:prstGeom>
+        </p:spPr>
+      </p:pic>
+      <p:pic>
+        <p:nvPicPr>
+          <p:cNvPr id="4" name="図 3">
+            <a:extLst>
+              <a:ext uri="{FF2B5EF4-FFF2-40B4-BE49-F238E27FC236}">
+                <a16:creationId xmlns:a16="http://schemas.microsoft.com/office/drawing/2014/main" id="{B2374988-3D36-52D8-DE0D-DD837EEEAAFD}"/>
+              </a:ext>
+            </a:extLst>
+          </p:cNvPr>
+          <p:cNvPicPr>
+            <a:picLocks noChangeAspect="1"/>
+          </p:cNvPicPr>
+          <p:nvPr/>
+        </p:nvPicPr>
+        <p:blipFill>
+          <a:blip r:embed="rId3"/>
+          <a:stretch>
+            <a:fillRect/>
+          </a:stretch>
+        </p:blipFill>
+        <p:spPr>
+          <a:xfrm>
+            <a:off x="459742" y="625669"/>
+            <a:ext cx="1627773" cy="969348"/>
           </a:xfrm>
           <a:prstGeom prst="rect">
             <a:avLst/>
@@ -4771,7 +4824,7 @@
     </p:spTree>
     <p:extLst>
       <p:ext uri="{BB962C8B-B14F-4D97-AF65-F5344CB8AC3E}">
-        <p14:creationId xmlns:p14="http://schemas.microsoft.com/office/powerpoint/2010/main" val="977362920"/>
+        <p14:creationId xmlns:p14="http://schemas.microsoft.com/office/powerpoint/2010/main" val="1568802851"/>
       </p:ext>
     </p:extLst>
   </p:cSld>
